--- a/documents/aug3update.pptx
+++ b/documents/aug3update.pptx
@@ -235,7 +235,7 @@
           <a:p>
             <a:fld id="{7042B7F4-F1BE-4DB7-B313-2A23FD108707}" type="datetimeFigureOut">
               <a:rPr lang="en-US" smtClean="0"/>
-              <a:t>8/2/2021</a:t>
+              <a:t>8/3/2021</a:t>
             </a:fld>
             <a:endParaRPr lang="en-US"/>
           </a:p>
@@ -1556,7 +1556,7 @@
             <a:fld id="{2F6AE53F-E227-A345-A672-286B2CEC4DE6}" type="datetimeFigureOut">
               <a:rPr lang="en-US"/>
               <a:pPr/>
-              <a:t>8/2/2021</a:t>
+              <a:t>8/3/2021</a:t>
             </a:fld>
             <a:endParaRPr lang="en-US"/>
           </a:p>
@@ -1802,7 +1802,7 @@
             <a:fld id="{2F6AE53F-E227-A345-A672-286B2CEC4DE6}" type="datetimeFigureOut">
               <a:rPr lang="en-US"/>
               <a:pPr/>
-              <a:t>8/2/2021</a:t>
+              <a:t>8/3/2021</a:t>
             </a:fld>
             <a:endParaRPr lang="en-US"/>
           </a:p>
@@ -2040,7 +2040,7 @@
             <a:fld id="{2F6AE53F-E227-A345-A672-286B2CEC4DE6}" type="datetimeFigureOut">
               <a:rPr lang="en-US"/>
               <a:pPr/>
-              <a:t>8/2/2021</a:t>
+              <a:t>8/3/2021</a:t>
             </a:fld>
             <a:endParaRPr lang="en-US"/>
           </a:p>
@@ -6238,16 +6238,15 @@
           </p:cNvPicPr>
           <p:nvPr/>
         </p:nvPicPr>
-        <p:blipFill>
+        <p:blipFill rotWithShape="1">
           <a:blip r:embed="rId3"/>
-          <a:stretch>
-            <a:fillRect/>
-          </a:stretch>
+          <a:srcRect r="27302"/>
+          <a:stretch/>
         </p:blipFill>
         <p:spPr>
           <a:xfrm>
-            <a:off x="177699" y="1743192"/>
-            <a:ext cx="8765059" cy="2393882"/>
+            <a:off x="688061" y="1594336"/>
+            <a:ext cx="7416424" cy="2786278"/>
           </a:xfrm>
           <a:prstGeom prst="rect">
             <a:avLst/>
